--- a/Examples/VisualBasic/ProgrammersGuide/Charts/Data/ChartEntities.pptx
+++ b/Examples/VisualBasic/ProgrammersGuide/Charts/Data/ChartEntities.pptx
@@ -1,7 +1,6 @@
 
 <file path=ppt/presentation.xml><?xml version="1.0" encoding="utf-8"?>
-<!--Generated by Aspose.Slides for .NET 14.1.2.0-->
-<p:presentation xmlns:r="http://schemas.openxmlformats.org/officeDocument/2006/relationships" xmlns:a="http://schemas.openxmlformats.org/drawingml/2006/main" xmlns:p="http://schemas.openxmlformats.org/presentationml/2006/main" saveSubsetFonts="1">
+<p:presentation xmlns:a="http://schemas.openxmlformats.org/drawingml/2006/main" xmlns:r="http://schemas.openxmlformats.org/officeDocument/2006/relationships" xmlns:p="http://schemas.openxmlformats.org/presentationml/2006/main" saveSubsetFonts="1">
   <p:sldMasterIdLst>
     <p:sldMasterId id="2147483648" r:id="rId1"/>
   </p:sldMasterIdLst>
@@ -108,13 +107,29 @@
       </a:defRPr>
     </a:lvl9pPr>
   </p:defaultTextStyle>
+  <p:extLst>
+    <p:ext uri="{EFAFB233-063F-42B5-8137-9DF3F51BA10A}">
+      <p15:sldGuideLst xmlns:p15="http://schemas.microsoft.com/office/powerpoint/2012/main">
+        <p15:guide id="1" orient="horz" pos="2160">
+          <p15:clr>
+            <a:srgbClr val="A4A3A4"/>
+          </p15:clr>
+        </p15:guide>
+        <p15:guide id="2" pos="2880">
+          <p15:clr>
+            <a:srgbClr val="A4A3A4"/>
+          </p15:clr>
+        </p15:guide>
+      </p15:sldGuideLst>
+    </p:ext>
+  </p:extLst>
 </p:presentation>
 </file>
 
 <file path=ppt/charts/chart1.xml><?xml version="1.0" encoding="utf-8"?>
-<c:chartSpace xmlns:a="http://schemas.openxmlformats.org/drawingml/2006/main" xmlns:r="http://schemas.openxmlformats.org/officeDocument/2006/relationships" xmlns:c="http://schemas.openxmlformats.org/drawingml/2006/chart">
+<c:chartSpace xmlns:c="http://schemas.openxmlformats.org/drawingml/2006/chart" xmlns:a="http://schemas.openxmlformats.org/drawingml/2006/main" xmlns:r="http://schemas.openxmlformats.org/officeDocument/2006/relationships">
   <c:date1904 val="0"/>
-  <c:lang val="ru-RU"/>
+  <c:lang val="en-US"/>
   <c:roundedCorners val="0"/>
   <mc:AlternateContent xmlns:mc="http://schemas.openxmlformats.org/markup-compatibility/2006">
     <mc:Choice xmlns:c14="http://schemas.microsoft.com/office/drawing/2007/8/2/chart" Requires="c14">
@@ -135,7 +150,7 @@
               <a:defRPr/>
             </a:pPr>
             <a:r>
-              <a:rPr sz="2000" b="1" i="1">
+              <a:rPr lang="en-US" sz="2000" b="1" i="1">
                 <a:solidFill>
                   <a:srgbClr val="808080"/>
                 </a:solidFill>
@@ -145,28 +160,14 @@
           </a:p>
         </c:rich>
       </c:tx>
+      <c:layout/>
       <c:overlay val="1"/>
     </c:title>
     <c:autoTitleDeleted val="0"/>
-    <c:floor>
-      <c:thickness val="0"/>
-      <c:spPr>
-        <a:solidFill>
-          <a:srgbClr val="FF0000"/>
-        </a:solidFill>
-      </c:spPr>
-    </c:floor>
-    <c:backWall>
-      <c:thickness val="1"/>
-      <c:spPr>
-        <a:solidFill>
-          <a:srgbClr val="FFA500"/>
-        </a:solidFill>
-      </c:spPr>
-    </c:backWall>
     <c:plotArea>
+      <c:layout/>
       <c:lineChart>
-        <c:grouping/>
+        <c:grouping val="standard"/>
         <c:varyColors val="0"/>
         <c:ser>
           <c:idx val="0"/>
@@ -269,7 +270,7 @@
                   <c:v>2.4</c:v>
                 </c:pt>
                 <c:pt idx="1">
-                  <c:v>4.4</c:v>
+                  <c:v>4.4000000000000004</c:v>
                 </c:pt>
                 <c:pt idx="2">
                   <c:v>1.8</c:v>
@@ -346,15 +347,16 @@
           <c:showSerName val="0"/>
           <c:showPercent val="0"/>
           <c:showBubbleSize val="0"/>
-          <c:showLeaderLines val="0"/>
         </c:dLbls>
-        <c:axId val="67451136"/>
-        <c:axId val="66437120"/>
+        <c:marker val="1"/>
+        <c:smooth val="0"/>
+        <c:axId val="47970384"/>
+        <c:axId val="47972624"/>
       </c:lineChart>
       <c:catAx>
-        <c:axId val="67451136"/>
+        <c:axId val="47970384"/>
         <c:scaling>
-          <c:orientation/>
+          <c:orientation val="minMax"/>
         </c:scaling>
         <c:delete val="0"/>
         <c:axPos val="b"/>
@@ -386,7 +388,7 @@
                   <a:defRPr/>
                 </a:pPr>
                 <a:r>
-                  <a:rPr sz="2000" b="1" i="1">
+                  <a:rPr lang="en-US" sz="2000" b="1" i="1">
                     <a:solidFill>
                       <a:srgbClr val="808080"/>
                     </a:solidFill>
@@ -396,6 +398,7 @@
               </a:p>
             </c:rich>
           </c:tx>
+          <c:layout/>
           <c:overlay val="1"/>
         </c:title>
         <c:numFmt formatCode="General" sourceLinked="1"/>
@@ -404,6 +407,7 @@
         <c:tickLblPos val="low"/>
         <c:txPr>
           <a:bodyPr rot="2700000"/>
+          <a:lstStyle/>
           <a:p>
             <a:pPr>
               <a:defRPr sz="1600" b="1" i="1" baseline="-2147483648">
@@ -413,19 +417,20 @@
                 <a:latin typeface="Arial"/>
               </a:defRPr>
             </a:pPr>
+            <a:endParaRPr lang="en-US"/>
           </a:p>
         </c:txPr>
-        <c:crossAx val="66437120"/>
+        <c:crossAx val="47972624"/>
         <c:crosses val="autoZero"/>
         <c:auto val="0"/>
         <c:lblAlgn val="ctr"/>
-        <c:lblOffset/>
+        <c:lblOffset val="100"/>
         <c:noMultiLvlLbl val="0"/>
       </c:catAx>
       <c:valAx>
-        <c:axId val="66437120"/>
+        <c:axId val="47972624"/>
         <c:scaling>
-          <c:orientation/>
+          <c:orientation val="minMax"/>
           <c:max val="15"/>
           <c:min val="-2"/>
         </c:scaling>
@@ -460,7 +465,7 @@
                   <a:defRPr/>
                 </a:pPr>
                 <a:r>
-                  <a:rPr sz="2000" b="1" i="1">
+                  <a:rPr lang="en-US" sz="2000" b="1" i="1">
                     <a:solidFill>
                       <a:srgbClr val="808080"/>
                     </a:solidFill>
@@ -470,13 +475,16 @@
               </a:p>
             </c:rich>
           </c:tx>
+          <c:layout/>
           <c:overlay val="1"/>
         </c:title>
         <c:numFmt formatCode="0.0%" sourceLinked="0"/>
         <c:majorTickMark val="out"/>
         <c:minorTickMark val="none"/>
+        <c:tickLblPos val="nextTo"/>
         <c:txPr>
           <a:bodyPr/>
+          <a:lstStyle/>
           <a:p>
             <a:pPr>
               <a:defRPr sz="1600" b="1" i="1" baseline="-2147483648">
@@ -486,17 +494,14 @@
                 <a:latin typeface="Times New Roman"/>
               </a:defRPr>
             </a:pPr>
+            <a:endParaRPr lang="en-US"/>
           </a:p>
         </c:txPr>
-        <c:crossAx val="67451136"/>
+        <c:crossAx val="47970384"/>
         <c:crosses val="autoZero"/>
         <c:crossBetween val="between"/>
         <c:majorUnit val="2"/>
         <c:minorUnit val="0.5"/>
-        <c:dispUnits>
-          <c:builtInUnit/>
-          <c:dispUnitsLbl/>
-        </c:dispUnits>
       </c:valAx>
       <c:spPr>
         <a:solidFill>
@@ -505,10 +510,12 @@
       </c:spPr>
     </c:plotArea>
     <c:legend>
-      <c:legendPos/>
+      <c:legendPos val="r"/>
+      <c:layout/>
       <c:overlay val="1"/>
       <c:txPr>
         <a:bodyPr/>
+        <a:lstStyle/>
         <a:p>
           <a:pPr>
             <a:defRPr sz="1600" b="1" i="1" baseline="-2147483648">
@@ -517,23 +524,27 @@
               </a:solidFill>
             </a:defRPr>
           </a:pPr>
+          <a:endParaRPr lang="en-US"/>
         </a:p>
       </c:txPr>
     </c:legend>
     <c:plotVisOnly val="1"/>
-    <c:dispBlanksAs/>
+    <c:dispBlanksAs val="zero"/>
     <c:showDLblsOverMax val="1"/>
   </c:chart>
   <c:txPr>
     <a:bodyPr/>
+    <a:lstStyle/>
     <a:p>
       <a:pPr>
         <a:defRPr sz="1800"/>
       </a:pPr>
-      <a:endParaRPr lang="ru-RU"/>
+      <a:endParaRPr lang="en-US"/>
     </a:p>
   </c:txPr>
-  <c:externalData r:id="rId1"/>
+  <c:externalData r:id="rId1">
+    <c:autoUpdate val="0"/>
+  </c:externalData>
 </c:chartSpace>
 </file>
 
@@ -718,7 +729,7 @@
           <a:p>
             <a:fld id="{E8FD0B7A-F5DD-4F40-B4CB-3B2C354B893A}" type="datetimeFigureOut">
               <a:rPr lang="en-US" smtClean="0"/>
-              <a:t>11/7/2009</a:t>
+              <a:t>5/26/2016</a:t>
             </a:fld>
             <a:endParaRPr lang="en-US"/>
           </a:p>
@@ -891,7 +902,7 @@
           <a:p>
             <a:fld id="{E8FD0B7A-F5DD-4F40-B4CB-3B2C354B893A}" type="datetimeFigureOut">
               <a:rPr lang="en-US" smtClean="0"/>
-              <a:t>11/7/2009</a:t>
+              <a:t>5/26/2016</a:t>
             </a:fld>
             <a:endParaRPr lang="en-US"/>
           </a:p>
@@ -1074,7 +1085,7 @@
           <a:p>
             <a:fld id="{E8FD0B7A-F5DD-4F40-B4CB-3B2C354B893A}" type="datetimeFigureOut">
               <a:rPr lang="en-US" smtClean="0"/>
-              <a:t>11/7/2009</a:t>
+              <a:t>5/26/2016</a:t>
             </a:fld>
             <a:endParaRPr lang="en-US"/>
           </a:p>
@@ -1247,7 +1258,7 @@
           <a:p>
             <a:fld id="{E8FD0B7A-F5DD-4F40-B4CB-3B2C354B893A}" type="datetimeFigureOut">
               <a:rPr lang="en-US" smtClean="0"/>
-              <a:t>11/7/2009</a:t>
+              <a:t>5/26/2016</a:t>
             </a:fld>
             <a:endParaRPr lang="en-US"/>
           </a:p>
@@ -1496,7 +1507,7 @@
           <a:p>
             <a:fld id="{E8FD0B7A-F5DD-4F40-B4CB-3B2C354B893A}" type="datetimeFigureOut">
               <a:rPr lang="en-US" smtClean="0"/>
-              <a:t>11/7/2009</a:t>
+              <a:t>5/26/2016</a:t>
             </a:fld>
             <a:endParaRPr lang="en-US"/>
           </a:p>
@@ -1787,7 +1798,7 @@
           <a:p>
             <a:fld id="{E8FD0B7A-F5DD-4F40-B4CB-3B2C354B893A}" type="datetimeFigureOut">
               <a:rPr lang="en-US" smtClean="0"/>
-              <a:t>11/7/2009</a:t>
+              <a:t>5/26/2016</a:t>
             </a:fld>
             <a:endParaRPr lang="en-US"/>
           </a:p>
@@ -2208,7 +2219,7 @@
           <a:p>
             <a:fld id="{E8FD0B7A-F5DD-4F40-B4CB-3B2C354B893A}" type="datetimeFigureOut">
               <a:rPr lang="en-US" smtClean="0"/>
-              <a:t>11/7/2009</a:t>
+              <a:t>5/26/2016</a:t>
             </a:fld>
             <a:endParaRPr lang="en-US"/>
           </a:p>
@@ -2329,7 +2340,7 @@
           <a:p>
             <a:fld id="{E8FD0B7A-F5DD-4F40-B4CB-3B2C354B893A}" type="datetimeFigureOut">
               <a:rPr lang="en-US" smtClean="0"/>
-              <a:t>11/7/2009</a:t>
+              <a:t>5/26/2016</a:t>
             </a:fld>
             <a:endParaRPr lang="en-US"/>
           </a:p>
@@ -2427,7 +2438,7 @@
           <a:p>
             <a:fld id="{E8FD0B7A-F5DD-4F40-B4CB-3B2C354B893A}" type="datetimeFigureOut">
               <a:rPr lang="en-US" smtClean="0"/>
-              <a:t>11/7/2009</a:t>
+              <a:t>5/26/2016</a:t>
             </a:fld>
             <a:endParaRPr lang="en-US"/>
           </a:p>
@@ -2707,7 +2718,7 @@
           <a:p>
             <a:fld id="{E8FD0B7A-F5DD-4F40-B4CB-3B2C354B893A}" type="datetimeFigureOut">
               <a:rPr lang="en-US" smtClean="0"/>
-              <a:t>11/7/2009</a:t>
+              <a:t>5/26/2016</a:t>
             </a:fld>
             <a:endParaRPr lang="en-US"/>
           </a:p>
@@ -2963,7 +2974,7 @@
           <a:p>
             <a:fld id="{E8FD0B7A-F5DD-4F40-B4CB-3B2C354B893A}" type="datetimeFigureOut">
               <a:rPr lang="en-US" smtClean="0"/>
-              <a:t>11/7/2009</a:t>
+              <a:t>5/26/2016</a:t>
             </a:fld>
             <a:endParaRPr lang="en-US"/>
           </a:p>
@@ -3029,7 +3040,7 @@
 
 <file path=ppt/slideMasters/slideMaster1.xml><?xml version="1.0" encoding="utf-8"?>
 <p:sldMaster xmlns:a="http://schemas.openxmlformats.org/drawingml/2006/main" xmlns:r="http://schemas.openxmlformats.org/officeDocument/2006/relationships" xmlns:p="http://schemas.openxmlformats.org/presentationml/2006/main">
-  <p:cSld name="">
+  <p:cSld>
     <p:bg>
       <p:bgRef idx="1001">
         <a:schemeClr val="bg1"/>
@@ -3179,7 +3190,7 @@
           <a:p>
             <a:fld id="{E8FD0B7A-F5DD-4F40-B4CB-3B2C354B893A}" type="datetimeFigureOut">
               <a:rPr lang="en-US" smtClean="0"/>
-              <a:t>11/7/2009</a:t>
+              <a:t>5/26/2016</a:t>
             </a:fld>
             <a:endParaRPr lang="en-US"/>
           </a:p>
@@ -3542,7 +3553,7 @@
 
 <file path=ppt/slides/slide1.xml><?xml version="1.0" encoding="utf-8"?>
 <p:sld xmlns:a="http://schemas.openxmlformats.org/drawingml/2006/main" xmlns:r="http://schemas.openxmlformats.org/officeDocument/2006/relationships" xmlns:p="http://schemas.openxmlformats.org/presentationml/2006/main">
-  <p:cSld name="">
+  <p:cSld>
     <p:spTree>
       <p:nvGrpSpPr>
         <p:cNvPr id="1" name=""/>
@@ -3559,7 +3570,7 @@
       </p:grpSpPr>
       <p:graphicFrame>
         <p:nvGraphicFramePr>
-          <p:cNvPr id="2" name="ChartObject" descr=""/>
+          <p:cNvPr id="2" name="ChartObject"/>
           <p:cNvGraphicFramePr/>
           <p:nvPr/>
         </p:nvGraphicFramePr>
@@ -3569,7 +3580,7 @@
         </p:xfrm>
         <a:graphic>
           <a:graphicData uri="http://schemas.openxmlformats.org/drawingml/2006/chart">
-            <c:chart xmlns:c="http://schemas.openxmlformats.org/drawingml/2006/chart" r:id="rId2"/>
+            <c:chart xmlns:c="http://schemas.openxmlformats.org/drawingml/2006/chart" xmlns:r="http://schemas.openxmlformats.org/officeDocument/2006/relationships" r:id="rId2"/>
           </a:graphicData>
         </a:graphic>
       </p:graphicFrame>
@@ -3583,8 +3594,8 @@
         </p:nvSpPr>
         <p:spPr>
           <a:xfrm>
-            <a:off x="1366520" y="2644140"/>
-            <a:ext cx="6411372" cy="1569660"/>
+            <a:off x="4479841" y="3051623"/>
+            <a:ext cx="184730" cy="754694"/>
           </a:xfrm>
           <a:prstGeom prst="rect">
             <a:avLst/>
@@ -3626,21 +3637,33 @@
           </a:lstStyle>
           <a:p>
             <a:pPr algn="ctr"/>
-            <a:r>
-              <a:t>Evaluation only.</a:t>
-            </a:r>
-          </a:p>
-          <a:p>
-            <a:pPr algn="ctr"/>
-            <a:r>
-              <a:t>Created with Aspose.Slides for .NET 2.0 14.1.2.0</a:t>
-            </a:r>
-          </a:p>
-          <a:p>
-            <a:pPr algn="ctr"/>
-            <a:r>
-              <a:t>Copyright 2004-2014 Aspose Pty Ltd.</a:t>
-            </a:r>
+            <a:endParaRPr dirty="0"/>
+          </a:p>
+        </p:txBody>
+      </p:sp>
+      <p:sp>
+        <p:nvSpPr>
+          <p:cNvPr id="4" name="TextBox 3"/>
+          <p:cNvSpPr txBox="1"/>
+          <p:nvPr/>
+        </p:nvSpPr>
+        <p:spPr>
+          <a:xfrm>
+            <a:off x="7777892" y="3429000"/>
+            <a:ext cx="184731" cy="369332"/>
+          </a:xfrm>
+          <a:prstGeom prst="rect">
+            <a:avLst/>
+          </a:prstGeom>
+          <a:noFill/>
+        </p:spPr>
+        <p:txBody>
+          <a:bodyPr wrap="none" rtlCol="0">
+            <a:spAutoFit/>
+          </a:bodyPr>
+          <a:lstStyle/>
+          <a:p>
+            <a:endParaRPr lang="en-US" dirty="0"/>
           </a:p>
         </p:txBody>
       </p:sp>
@@ -3661,7 +3684,7 @@
 </file>
 
 <file path=ppt/tags/tag1.xml><?xml version="1.0" encoding="utf-8"?>
-<p:tagLst xmlns:p="http://schemas.openxmlformats.org/presentationml/2006/main">
+<p:tagLst xmlns:a="http://schemas.openxmlformats.org/drawingml/2006/main" xmlns:r="http://schemas.openxmlformats.org/officeDocument/2006/relationships" xmlns:p="http://schemas.openxmlformats.org/presentationml/2006/main">
   <p:tag name="AS_NET" val="2.0.50727.5477"/>
   <p:tag name="AS_OS" val="Microsoft Windows NT 6.1.7601 Service Pack 1"/>
   <p:tag name="AS_RELEASE_DATE" val="2014.02.17"/>
@@ -3671,7 +3694,7 @@
 </file>
 
 <file path=ppt/theme/theme1.xml><?xml version="1.0" encoding="utf-8"?>
-<a:theme xmlns:r="http://schemas.openxmlformats.org/officeDocument/2006/relationships" xmlns:a="http://schemas.openxmlformats.org/drawingml/2006/main" name="Office Theme">
+<a:theme xmlns:a="http://schemas.openxmlformats.org/drawingml/2006/main" name="Office Theme">
   <a:themeElements>
     <a:clrScheme name="Office">
       <a:dk1>
@@ -3950,5 +3973,7 @@
       </a:bgFillStyleLst>
     </a:fmtScheme>
   </a:themeElements>
+  <a:objectDefaults/>
+  <a:extraClrSchemeLst/>
 </a:theme>
 </file>